--- a/Курсовой проект презентация.pptx
+++ b/Курсовой проект презентация.pptx
@@ -114,6 +114,11 @@
       </a:defRPr>
     </a:lvl9pPr>
   </p:defaultTextStyle>
+  <p:extLst>
+    <p:ext uri="{EFAFB233-063F-42B5-8137-9DF3F51BA10A}">
+      <p15:sldGuideLst xmlns:p15="http://schemas.microsoft.com/office/powerpoint/2012/main"/>
+    </p:ext>
+  </p:extLst>
 </p:presentation>
 </file>
 
@@ -264,7 +269,7 @@
           <a:p>
             <a:fld id="{5B00DA58-10C4-420C-BC56-DEA235921D27}" type="datetimeFigureOut">
               <a:rPr lang="ru-RU" smtClean="0"/>
-              <a:t>28.05.2018</a:t>
+              <a:t>03.06.2018</a:t>
             </a:fld>
             <a:endParaRPr lang="ru-RU"/>
           </a:p>
@@ -462,7 +467,7 @@
           <a:p>
             <a:fld id="{5B00DA58-10C4-420C-BC56-DEA235921D27}" type="datetimeFigureOut">
               <a:rPr lang="ru-RU" smtClean="0"/>
-              <a:t>28.05.2018</a:t>
+              <a:t>03.06.2018</a:t>
             </a:fld>
             <a:endParaRPr lang="ru-RU"/>
           </a:p>
@@ -670,7 +675,7 @@
           <a:p>
             <a:fld id="{5B00DA58-10C4-420C-BC56-DEA235921D27}" type="datetimeFigureOut">
               <a:rPr lang="ru-RU" smtClean="0"/>
-              <a:t>28.05.2018</a:t>
+              <a:t>03.06.2018</a:t>
             </a:fld>
             <a:endParaRPr lang="ru-RU"/>
           </a:p>
@@ -868,7 +873,7 @@
           <a:p>
             <a:fld id="{5B00DA58-10C4-420C-BC56-DEA235921D27}" type="datetimeFigureOut">
               <a:rPr lang="ru-RU" smtClean="0"/>
-              <a:t>28.05.2018</a:t>
+              <a:t>03.06.2018</a:t>
             </a:fld>
             <a:endParaRPr lang="ru-RU"/>
           </a:p>
@@ -1143,7 +1148,7 @@
           <a:p>
             <a:fld id="{5B00DA58-10C4-420C-BC56-DEA235921D27}" type="datetimeFigureOut">
               <a:rPr lang="ru-RU" smtClean="0"/>
-              <a:t>28.05.2018</a:t>
+              <a:t>03.06.2018</a:t>
             </a:fld>
             <a:endParaRPr lang="ru-RU"/>
           </a:p>
@@ -1408,7 +1413,7 @@
           <a:p>
             <a:fld id="{5B00DA58-10C4-420C-BC56-DEA235921D27}" type="datetimeFigureOut">
               <a:rPr lang="ru-RU" smtClean="0"/>
-              <a:t>28.05.2018</a:t>
+              <a:t>03.06.2018</a:t>
             </a:fld>
             <a:endParaRPr lang="ru-RU"/>
           </a:p>
@@ -1820,7 +1825,7 @@
           <a:p>
             <a:fld id="{5B00DA58-10C4-420C-BC56-DEA235921D27}" type="datetimeFigureOut">
               <a:rPr lang="ru-RU" smtClean="0"/>
-              <a:t>28.05.2018</a:t>
+              <a:t>03.06.2018</a:t>
             </a:fld>
             <a:endParaRPr lang="ru-RU"/>
           </a:p>
@@ -1961,7 +1966,7 @@
           <a:p>
             <a:fld id="{5B00DA58-10C4-420C-BC56-DEA235921D27}" type="datetimeFigureOut">
               <a:rPr lang="ru-RU" smtClean="0"/>
-              <a:t>28.05.2018</a:t>
+              <a:t>03.06.2018</a:t>
             </a:fld>
             <a:endParaRPr lang="ru-RU"/>
           </a:p>
@@ -2074,7 +2079,7 @@
           <a:p>
             <a:fld id="{5B00DA58-10C4-420C-BC56-DEA235921D27}" type="datetimeFigureOut">
               <a:rPr lang="ru-RU" smtClean="0"/>
-              <a:t>28.05.2018</a:t>
+              <a:t>03.06.2018</a:t>
             </a:fld>
             <a:endParaRPr lang="ru-RU"/>
           </a:p>
@@ -2385,7 +2390,7 @@
           <a:p>
             <a:fld id="{5B00DA58-10C4-420C-BC56-DEA235921D27}" type="datetimeFigureOut">
               <a:rPr lang="ru-RU" smtClean="0"/>
-              <a:t>28.05.2018</a:t>
+              <a:t>03.06.2018</a:t>
             </a:fld>
             <a:endParaRPr lang="ru-RU"/>
           </a:p>
@@ -2673,7 +2678,7 @@
           <a:p>
             <a:fld id="{5B00DA58-10C4-420C-BC56-DEA235921D27}" type="datetimeFigureOut">
               <a:rPr lang="ru-RU" smtClean="0"/>
-              <a:t>28.05.2018</a:t>
+              <a:t>03.06.2018</a:t>
             </a:fld>
             <a:endParaRPr lang="ru-RU"/>
           </a:p>
@@ -2914,7 +2919,7 @@
           <a:p>
             <a:fld id="{5B00DA58-10C4-420C-BC56-DEA235921D27}" type="datetimeFigureOut">
               <a:rPr lang="ru-RU" smtClean="0"/>
-              <a:t>28.05.2018</a:t>
+              <a:t>03.06.2018</a:t>
             </a:fld>
             <a:endParaRPr lang="ru-RU"/>
           </a:p>
@@ -3766,7 +3771,7 @@
         </p:spPr>
         <p:txBody>
           <a:bodyPr>
-            <a:normAutofit/>
+            <a:normAutofit fontScale="90000"/>
           </a:bodyPr>
           <a:lstStyle/>
           <a:p>
@@ -3793,16 +3798,17 @@
               </a:rPr>
             </a:br>
             <a:r>
-              <a:rPr lang="ru-RU" sz="4600" dirty="0">
-                <a:solidFill>
-                  <a:schemeClr val="tx1">
-                    <a:lumMod val="85000"/>
-                    <a:lumOff val="15000"/>
-                  </a:schemeClr>
-                </a:solidFill>
-              </a:rPr>
-              <a:t>Просмотр и изменение занятых тем у студентов</a:t>
-            </a:r>
+              <a:rPr lang="ru-RU" sz="4900" dirty="0"/>
+              <a:t>Программа учёта сдачи работ студентами колледжа</a:t>
+            </a:r>
+            <a:endParaRPr lang="ru-RU" sz="4600" dirty="0">
+              <a:solidFill>
+                <a:schemeClr val="tx1">
+                  <a:lumMod val="85000"/>
+                  <a:lumOff val="15000"/>
+                </a:schemeClr>
+              </a:solidFill>
+            </a:endParaRPr>
           </a:p>
         </p:txBody>
       </p:sp>

--- a/Курсовой проект презентация.pptx
+++ b/Курсовой проект презентация.pptx
@@ -269,7 +269,7 @@
           <a:p>
             <a:fld id="{5B00DA58-10C4-420C-BC56-DEA235921D27}" type="datetimeFigureOut">
               <a:rPr lang="ru-RU" smtClean="0"/>
-              <a:t>03.06.2018</a:t>
+              <a:t>08.06.2018</a:t>
             </a:fld>
             <a:endParaRPr lang="ru-RU"/>
           </a:p>
@@ -467,7 +467,7 @@
           <a:p>
             <a:fld id="{5B00DA58-10C4-420C-BC56-DEA235921D27}" type="datetimeFigureOut">
               <a:rPr lang="ru-RU" smtClean="0"/>
-              <a:t>03.06.2018</a:t>
+              <a:t>08.06.2018</a:t>
             </a:fld>
             <a:endParaRPr lang="ru-RU"/>
           </a:p>
@@ -675,7 +675,7 @@
           <a:p>
             <a:fld id="{5B00DA58-10C4-420C-BC56-DEA235921D27}" type="datetimeFigureOut">
               <a:rPr lang="ru-RU" smtClean="0"/>
-              <a:t>03.06.2018</a:t>
+              <a:t>08.06.2018</a:t>
             </a:fld>
             <a:endParaRPr lang="ru-RU"/>
           </a:p>
@@ -873,7 +873,7 @@
           <a:p>
             <a:fld id="{5B00DA58-10C4-420C-BC56-DEA235921D27}" type="datetimeFigureOut">
               <a:rPr lang="ru-RU" smtClean="0"/>
-              <a:t>03.06.2018</a:t>
+              <a:t>08.06.2018</a:t>
             </a:fld>
             <a:endParaRPr lang="ru-RU"/>
           </a:p>
@@ -1148,7 +1148,7 @@
           <a:p>
             <a:fld id="{5B00DA58-10C4-420C-BC56-DEA235921D27}" type="datetimeFigureOut">
               <a:rPr lang="ru-RU" smtClean="0"/>
-              <a:t>03.06.2018</a:t>
+              <a:t>08.06.2018</a:t>
             </a:fld>
             <a:endParaRPr lang="ru-RU"/>
           </a:p>
@@ -1413,7 +1413,7 @@
           <a:p>
             <a:fld id="{5B00DA58-10C4-420C-BC56-DEA235921D27}" type="datetimeFigureOut">
               <a:rPr lang="ru-RU" smtClean="0"/>
-              <a:t>03.06.2018</a:t>
+              <a:t>08.06.2018</a:t>
             </a:fld>
             <a:endParaRPr lang="ru-RU"/>
           </a:p>
@@ -1825,7 +1825,7 @@
           <a:p>
             <a:fld id="{5B00DA58-10C4-420C-BC56-DEA235921D27}" type="datetimeFigureOut">
               <a:rPr lang="ru-RU" smtClean="0"/>
-              <a:t>03.06.2018</a:t>
+              <a:t>08.06.2018</a:t>
             </a:fld>
             <a:endParaRPr lang="ru-RU"/>
           </a:p>
@@ -1966,7 +1966,7 @@
           <a:p>
             <a:fld id="{5B00DA58-10C4-420C-BC56-DEA235921D27}" type="datetimeFigureOut">
               <a:rPr lang="ru-RU" smtClean="0"/>
-              <a:t>03.06.2018</a:t>
+              <a:t>08.06.2018</a:t>
             </a:fld>
             <a:endParaRPr lang="ru-RU"/>
           </a:p>
@@ -2079,7 +2079,7 @@
           <a:p>
             <a:fld id="{5B00DA58-10C4-420C-BC56-DEA235921D27}" type="datetimeFigureOut">
               <a:rPr lang="ru-RU" smtClean="0"/>
-              <a:t>03.06.2018</a:t>
+              <a:t>08.06.2018</a:t>
             </a:fld>
             <a:endParaRPr lang="ru-RU"/>
           </a:p>
@@ -2390,7 +2390,7 @@
           <a:p>
             <a:fld id="{5B00DA58-10C4-420C-BC56-DEA235921D27}" type="datetimeFigureOut">
               <a:rPr lang="ru-RU" smtClean="0"/>
-              <a:t>03.06.2018</a:t>
+              <a:t>08.06.2018</a:t>
             </a:fld>
             <a:endParaRPr lang="ru-RU"/>
           </a:p>
@@ -2678,7 +2678,7 @@
           <a:p>
             <a:fld id="{5B00DA58-10C4-420C-BC56-DEA235921D27}" type="datetimeFigureOut">
               <a:rPr lang="ru-RU" smtClean="0"/>
-              <a:t>03.06.2018</a:t>
+              <a:t>08.06.2018</a:t>
             </a:fld>
             <a:endParaRPr lang="ru-RU"/>
           </a:p>
@@ -2919,7 +2919,7 @@
           <a:p>
             <a:fld id="{5B00DA58-10C4-420C-BC56-DEA235921D27}" type="datetimeFigureOut">
               <a:rPr lang="ru-RU" smtClean="0"/>
-              <a:t>03.06.2018</a:t>
+              <a:t>08.06.2018</a:t>
             </a:fld>
             <a:endParaRPr lang="ru-RU"/>
           </a:p>
@@ -3765,8 +3765,8 @@
         </p:nvSpPr>
         <p:spPr>
           <a:xfrm>
-            <a:off x="1158240" y="1122363"/>
-            <a:ext cx="6339840" cy="2387600"/>
+            <a:off x="1158240" y="781539"/>
+            <a:ext cx="6339840" cy="2728424"/>
           </a:xfrm>
         </p:spPr>
         <p:txBody>
@@ -5737,7 +5737,7 @@
       </p:sp>
       <p:pic>
         <p:nvPicPr>
-          <p:cNvPr id="5" name="Объект 4" descr="Изображение выглядит как карта, текст&#10;&#10;Описание создано с очень высокой степенью достоверности">
+          <p:cNvPr id="5" name="Объект 4">
             <a:extLst>
               <a:ext uri="{FF2B5EF4-FFF2-40B4-BE49-F238E27FC236}">
                 <a16:creationId xmlns:a16="http://schemas.microsoft.com/office/drawing/2014/main" id="{5E37EB81-CEDD-49F1-9DF8-F9CEA35A6A2B}"/>
@@ -5765,8 +5765,8 @@
         </p:blipFill>
         <p:spPr>
           <a:xfrm>
-            <a:off x="2434167" y="1675227"/>
-            <a:ext cx="7323666" cy="4394199"/>
+            <a:off x="1282060" y="1779600"/>
+            <a:ext cx="9627880" cy="4434933"/>
           </a:xfrm>
           <a:prstGeom prst="rect">
             <a:avLst/>
